--- a/案出しメモ/通信のユースケース図.pptx
+++ b/案出しメモ/通信のユースケース図.pptx
@@ -104,6 +104,11 @@
       </a:defRPr>
     </a:lvl9pPr>
   </p:defaultTextStyle>
+  <p:extLst>
+    <p:ext uri="{EFAFB233-063F-42B5-8137-9DF3F51BA10A}">
+      <p15:sldGuideLst xmlns:p15="http://schemas.microsoft.com/office/powerpoint/2012/main"/>
+    </p:ext>
+  </p:extLst>
 </p:presentation>
 </file>
 
@@ -238,7 +243,7 @@
           <a:p>
             <a:fld id="{93DD7F4B-62D0-4201-9830-462AEFE3E8DD}" type="datetimeFigureOut">
               <a:rPr kumimoji="1" lang="ja-JP" altLang="en-US" smtClean="0"/>
-              <a:t>2019/12/9</a:t>
+              <a:t>2019/12/10</a:t>
             </a:fld>
             <a:endParaRPr kumimoji="1" lang="ja-JP" altLang="en-US"/>
           </a:p>
@@ -440,7 +445,7 @@
           <a:p>
             <a:fld id="{93DD7F4B-62D0-4201-9830-462AEFE3E8DD}" type="datetimeFigureOut">
               <a:rPr kumimoji="1" lang="ja-JP" altLang="en-US" smtClean="0"/>
-              <a:t>2019/12/9</a:t>
+              <a:t>2019/12/10</a:t>
             </a:fld>
             <a:endParaRPr kumimoji="1" lang="ja-JP" altLang="en-US"/>
           </a:p>
@@ -652,7 +657,7 @@
           <a:p>
             <a:fld id="{93DD7F4B-62D0-4201-9830-462AEFE3E8DD}" type="datetimeFigureOut">
               <a:rPr kumimoji="1" lang="ja-JP" altLang="en-US" smtClean="0"/>
-              <a:t>2019/12/9</a:t>
+              <a:t>2019/12/10</a:t>
             </a:fld>
             <a:endParaRPr kumimoji="1" lang="ja-JP" altLang="en-US"/>
           </a:p>
@@ -854,7 +859,7 @@
           <a:p>
             <a:fld id="{93DD7F4B-62D0-4201-9830-462AEFE3E8DD}" type="datetimeFigureOut">
               <a:rPr kumimoji="1" lang="ja-JP" altLang="en-US" smtClean="0"/>
-              <a:t>2019/12/9</a:t>
+              <a:t>2019/12/10</a:t>
             </a:fld>
             <a:endParaRPr kumimoji="1" lang="ja-JP" altLang="en-US"/>
           </a:p>
@@ -1100,7 +1105,7 @@
           <a:p>
             <a:fld id="{93DD7F4B-62D0-4201-9830-462AEFE3E8DD}" type="datetimeFigureOut">
               <a:rPr kumimoji="1" lang="ja-JP" altLang="en-US" smtClean="0"/>
-              <a:t>2019/12/9</a:t>
+              <a:t>2019/12/10</a:t>
             </a:fld>
             <a:endParaRPr kumimoji="1" lang="ja-JP" altLang="en-US"/>
           </a:p>
@@ -1396,7 +1401,7 @@
           <a:p>
             <a:fld id="{93DD7F4B-62D0-4201-9830-462AEFE3E8DD}" type="datetimeFigureOut">
               <a:rPr kumimoji="1" lang="ja-JP" altLang="en-US" smtClean="0"/>
-              <a:t>2019/12/9</a:t>
+              <a:t>2019/12/10</a:t>
             </a:fld>
             <a:endParaRPr kumimoji="1" lang="ja-JP" altLang="en-US"/>
           </a:p>
@@ -1827,7 +1832,7 @@
           <a:p>
             <a:fld id="{93DD7F4B-62D0-4201-9830-462AEFE3E8DD}" type="datetimeFigureOut">
               <a:rPr kumimoji="1" lang="ja-JP" altLang="en-US" smtClean="0"/>
-              <a:t>2019/12/9</a:t>
+              <a:t>2019/12/10</a:t>
             </a:fld>
             <a:endParaRPr kumimoji="1" lang="ja-JP" altLang="en-US"/>
           </a:p>
@@ -1945,7 +1950,7 @@
           <a:p>
             <a:fld id="{93DD7F4B-62D0-4201-9830-462AEFE3E8DD}" type="datetimeFigureOut">
               <a:rPr kumimoji="1" lang="ja-JP" altLang="en-US" smtClean="0"/>
-              <a:t>2019/12/9</a:t>
+              <a:t>2019/12/10</a:t>
             </a:fld>
             <a:endParaRPr kumimoji="1" lang="ja-JP" altLang="en-US"/>
           </a:p>
@@ -2040,7 +2045,7 @@
           <a:p>
             <a:fld id="{93DD7F4B-62D0-4201-9830-462AEFE3E8DD}" type="datetimeFigureOut">
               <a:rPr kumimoji="1" lang="ja-JP" altLang="en-US" smtClean="0"/>
-              <a:t>2019/12/9</a:t>
+              <a:t>2019/12/10</a:t>
             </a:fld>
             <a:endParaRPr kumimoji="1" lang="ja-JP" altLang="en-US"/>
           </a:p>
@@ -2349,7 +2354,7 @@
           <a:p>
             <a:fld id="{93DD7F4B-62D0-4201-9830-462AEFE3E8DD}" type="datetimeFigureOut">
               <a:rPr kumimoji="1" lang="ja-JP" altLang="en-US" smtClean="0"/>
-              <a:t>2019/12/9</a:t>
+              <a:t>2019/12/10</a:t>
             </a:fld>
             <a:endParaRPr kumimoji="1" lang="ja-JP" altLang="en-US"/>
           </a:p>
@@ -2602,7 +2607,7 @@
           <a:p>
             <a:fld id="{93DD7F4B-62D0-4201-9830-462AEFE3E8DD}" type="datetimeFigureOut">
               <a:rPr kumimoji="1" lang="ja-JP" altLang="en-US" smtClean="0"/>
-              <a:t>2019/12/9</a:t>
+              <a:t>2019/12/10</a:t>
             </a:fld>
             <a:endParaRPr kumimoji="1" lang="ja-JP" altLang="en-US"/>
           </a:p>
@@ -2847,7 +2852,7 @@
           <a:p>
             <a:fld id="{93DD7F4B-62D0-4201-9830-462AEFE3E8DD}" type="datetimeFigureOut">
               <a:rPr kumimoji="1" lang="ja-JP" altLang="en-US" smtClean="0"/>
-              <a:t>2019/12/9</a:t>
+              <a:t>2019/12/10</a:t>
             </a:fld>
             <a:endParaRPr kumimoji="1" lang="ja-JP" altLang="en-US"/>
           </a:p>
@@ -3252,6 +3257,791 @@
           <a:chExt cx="0" cy="0"/>
         </a:xfrm>
       </p:grpSpPr>
+      <p:grpSp>
+        <p:nvGrpSpPr>
+          <p:cNvPr id="2" name="グループ化 1">
+            <a:extLst>
+              <a:ext uri="{FF2B5EF4-FFF2-40B4-BE49-F238E27FC236}">
+                <a16:creationId xmlns:a16="http://schemas.microsoft.com/office/drawing/2014/main" id="{7BE66A3D-CA84-5E4D-BD2E-BC91DFB8AF0B}"/>
+              </a:ext>
+            </a:extLst>
+          </p:cNvPr>
+          <p:cNvGrpSpPr/>
+          <p:nvPr/>
+        </p:nvGrpSpPr>
+        <p:grpSpPr>
+          <a:xfrm>
+            <a:off x="1246241" y="2292330"/>
+            <a:ext cx="781341" cy="1060470"/>
+            <a:chOff x="2095704" y="1751309"/>
+            <a:chExt cx="721552" cy="1231444"/>
+          </a:xfrm>
+        </p:grpSpPr>
+        <p:sp>
+          <p:nvSpPr>
+            <p:cNvPr id="3" name="円/楕円 45">
+              <a:extLst>
+                <a:ext uri="{FF2B5EF4-FFF2-40B4-BE49-F238E27FC236}">
+                  <a16:creationId xmlns:a16="http://schemas.microsoft.com/office/drawing/2014/main" id="{23815155-1CA2-3D45-AC31-926CD588CF2A}"/>
+                </a:ext>
+              </a:extLst>
+            </p:cNvPr>
+            <p:cNvSpPr/>
+            <p:nvPr/>
+          </p:nvSpPr>
+          <p:spPr>
+            <a:xfrm>
+              <a:off x="2200758" y="1751309"/>
+              <a:ext cx="511444" cy="511444"/>
+            </a:xfrm>
+            <a:prstGeom prst="ellipse">
+              <a:avLst/>
+            </a:prstGeom>
+          </p:spPr>
+          <p:style>
+            <a:lnRef idx="2">
+              <a:schemeClr val="accent5">
+                <a:shade val="50000"/>
+              </a:schemeClr>
+            </a:lnRef>
+            <a:fillRef idx="1">
+              <a:schemeClr val="accent5"/>
+            </a:fillRef>
+            <a:effectRef idx="0">
+              <a:schemeClr val="accent5"/>
+            </a:effectRef>
+            <a:fontRef idx="minor">
+              <a:schemeClr val="lt1"/>
+            </a:fontRef>
+          </p:style>
+          <p:txBody>
+            <a:bodyPr rtlCol="0" anchor="ctr"/>
+            <a:lstStyle/>
+            <a:p>
+              <a:pPr algn="ctr"/>
+              <a:endParaRPr lang="ja-JP" altLang="en-US" sz="1012"/>
+            </a:p>
+          </p:txBody>
+        </p:sp>
+        <p:cxnSp>
+          <p:nvCxnSpPr>
+            <p:cNvPr id="4" name="直線コネクタ 3">
+              <a:extLst>
+                <a:ext uri="{FF2B5EF4-FFF2-40B4-BE49-F238E27FC236}">
+                  <a16:creationId xmlns:a16="http://schemas.microsoft.com/office/drawing/2014/main" id="{7A531DCD-5B88-1F4B-AF36-9CD0F4986EBC}"/>
+                </a:ext>
+              </a:extLst>
+            </p:cNvPr>
+            <p:cNvCxnSpPr>
+              <a:cxnSpLocks/>
+              <a:stCxn id="3" idx="4"/>
+            </p:cNvCxnSpPr>
+            <p:nvPr/>
+          </p:nvCxnSpPr>
+          <p:spPr>
+            <a:xfrm>
+              <a:off x="2456481" y="2262752"/>
+              <a:ext cx="0" cy="360000"/>
+            </a:xfrm>
+            <a:prstGeom prst="line">
+              <a:avLst/>
+            </a:prstGeom>
+            <a:ln/>
+          </p:spPr>
+          <p:style>
+            <a:lnRef idx="2">
+              <a:schemeClr val="accent5">
+                <a:shade val="50000"/>
+              </a:schemeClr>
+            </a:lnRef>
+            <a:fillRef idx="1">
+              <a:schemeClr val="accent5"/>
+            </a:fillRef>
+            <a:effectRef idx="0">
+              <a:schemeClr val="accent5"/>
+            </a:effectRef>
+            <a:fontRef idx="minor">
+              <a:schemeClr val="lt1"/>
+            </a:fontRef>
+          </p:style>
+        </p:cxnSp>
+        <p:cxnSp>
+          <p:nvCxnSpPr>
+            <p:cNvPr id="5" name="直線コネクタ 4">
+              <a:extLst>
+                <a:ext uri="{FF2B5EF4-FFF2-40B4-BE49-F238E27FC236}">
+                  <a16:creationId xmlns:a16="http://schemas.microsoft.com/office/drawing/2014/main" id="{C02C3AC9-4FEF-A844-A0E9-AFA277E47B65}"/>
+                </a:ext>
+              </a:extLst>
+            </p:cNvPr>
+            <p:cNvCxnSpPr>
+              <a:cxnSpLocks/>
+            </p:cNvCxnSpPr>
+            <p:nvPr/>
+          </p:nvCxnSpPr>
+          <p:spPr>
+            <a:xfrm flipV="1">
+              <a:off x="2095705" y="2623710"/>
+              <a:ext cx="360775" cy="359042"/>
+            </a:xfrm>
+            <a:prstGeom prst="line">
+              <a:avLst/>
+            </a:prstGeom>
+            <a:ln/>
+          </p:spPr>
+          <p:style>
+            <a:lnRef idx="2">
+              <a:schemeClr val="accent5">
+                <a:shade val="50000"/>
+              </a:schemeClr>
+            </a:lnRef>
+            <a:fillRef idx="1">
+              <a:schemeClr val="accent5"/>
+            </a:fillRef>
+            <a:effectRef idx="0">
+              <a:schemeClr val="accent5"/>
+            </a:effectRef>
+            <a:fontRef idx="minor">
+              <a:schemeClr val="lt1"/>
+            </a:fontRef>
+          </p:style>
+        </p:cxnSp>
+        <p:cxnSp>
+          <p:nvCxnSpPr>
+            <p:cNvPr id="6" name="直線コネクタ 5">
+              <a:extLst>
+                <a:ext uri="{FF2B5EF4-FFF2-40B4-BE49-F238E27FC236}">
+                  <a16:creationId xmlns:a16="http://schemas.microsoft.com/office/drawing/2014/main" id="{AAF7F5B4-904F-D042-B3EC-0E847C0464F2}"/>
+                </a:ext>
+              </a:extLst>
+            </p:cNvPr>
+            <p:cNvCxnSpPr>
+              <a:cxnSpLocks/>
+            </p:cNvCxnSpPr>
+            <p:nvPr/>
+          </p:nvCxnSpPr>
+          <p:spPr>
+            <a:xfrm flipH="1" flipV="1">
+              <a:off x="2456481" y="2622753"/>
+              <a:ext cx="360775" cy="360000"/>
+            </a:xfrm>
+            <a:prstGeom prst="line">
+              <a:avLst/>
+            </a:prstGeom>
+            <a:ln/>
+          </p:spPr>
+          <p:style>
+            <a:lnRef idx="2">
+              <a:schemeClr val="accent5">
+                <a:shade val="50000"/>
+              </a:schemeClr>
+            </a:lnRef>
+            <a:fillRef idx="1">
+              <a:schemeClr val="accent5"/>
+            </a:fillRef>
+            <a:effectRef idx="0">
+              <a:schemeClr val="accent5"/>
+            </a:effectRef>
+            <a:fontRef idx="minor">
+              <a:schemeClr val="lt1"/>
+            </a:fontRef>
+          </p:style>
+        </p:cxnSp>
+        <p:cxnSp>
+          <p:nvCxnSpPr>
+            <p:cNvPr id="7" name="直線コネクタ 6">
+              <a:extLst>
+                <a:ext uri="{FF2B5EF4-FFF2-40B4-BE49-F238E27FC236}">
+                  <a16:creationId xmlns:a16="http://schemas.microsoft.com/office/drawing/2014/main" id="{E1A4EDBB-B27D-8448-B0B2-63A417ABC347}"/>
+                </a:ext>
+              </a:extLst>
+            </p:cNvPr>
+            <p:cNvCxnSpPr>
+              <a:cxnSpLocks/>
+            </p:cNvCxnSpPr>
+            <p:nvPr/>
+          </p:nvCxnSpPr>
+          <p:spPr>
+            <a:xfrm flipH="1">
+              <a:off x="2456480" y="2328657"/>
+              <a:ext cx="360775" cy="0"/>
+            </a:xfrm>
+            <a:prstGeom prst="line">
+              <a:avLst/>
+            </a:prstGeom>
+            <a:ln/>
+          </p:spPr>
+          <p:style>
+            <a:lnRef idx="2">
+              <a:schemeClr val="accent5">
+                <a:shade val="50000"/>
+              </a:schemeClr>
+            </a:lnRef>
+            <a:fillRef idx="1">
+              <a:schemeClr val="accent5"/>
+            </a:fillRef>
+            <a:effectRef idx="0">
+              <a:schemeClr val="accent5"/>
+            </a:effectRef>
+            <a:fontRef idx="minor">
+              <a:schemeClr val="lt1"/>
+            </a:fontRef>
+          </p:style>
+        </p:cxnSp>
+        <p:cxnSp>
+          <p:nvCxnSpPr>
+            <p:cNvPr id="8" name="直線コネクタ 7">
+              <a:extLst>
+                <a:ext uri="{FF2B5EF4-FFF2-40B4-BE49-F238E27FC236}">
+                  <a16:creationId xmlns:a16="http://schemas.microsoft.com/office/drawing/2014/main" id="{40301B1B-6681-2440-B293-D6C1D3A69095}"/>
+                </a:ext>
+              </a:extLst>
+            </p:cNvPr>
+            <p:cNvCxnSpPr>
+              <a:cxnSpLocks/>
+            </p:cNvCxnSpPr>
+            <p:nvPr/>
+          </p:nvCxnSpPr>
+          <p:spPr>
+            <a:xfrm flipH="1">
+              <a:off x="2095704" y="2328657"/>
+              <a:ext cx="360775" cy="0"/>
+            </a:xfrm>
+            <a:prstGeom prst="line">
+              <a:avLst/>
+            </a:prstGeom>
+            <a:ln/>
+          </p:spPr>
+          <p:style>
+            <a:lnRef idx="2">
+              <a:schemeClr val="accent5">
+                <a:shade val="50000"/>
+              </a:schemeClr>
+            </a:lnRef>
+            <a:fillRef idx="1">
+              <a:schemeClr val="accent5"/>
+            </a:fillRef>
+            <a:effectRef idx="0">
+              <a:schemeClr val="accent5"/>
+            </a:effectRef>
+            <a:fontRef idx="minor">
+              <a:schemeClr val="lt1"/>
+            </a:fontRef>
+          </p:style>
+        </p:cxnSp>
+      </p:grpSp>
+      <p:grpSp>
+        <p:nvGrpSpPr>
+          <p:cNvPr id="16" name="グループ化 15">
+            <a:extLst>
+              <a:ext uri="{FF2B5EF4-FFF2-40B4-BE49-F238E27FC236}">
+                <a16:creationId xmlns:a16="http://schemas.microsoft.com/office/drawing/2014/main" id="{7BE66A3D-CA84-5E4D-BD2E-BC91DFB8AF0B}"/>
+              </a:ext>
+            </a:extLst>
+          </p:cNvPr>
+          <p:cNvGrpSpPr/>
+          <p:nvPr/>
+        </p:nvGrpSpPr>
+        <p:grpSpPr>
+          <a:xfrm>
+            <a:off x="9860154" y="2156297"/>
+            <a:ext cx="834349" cy="1196503"/>
+            <a:chOff x="2095704" y="1751309"/>
+            <a:chExt cx="721552" cy="1231444"/>
+          </a:xfrm>
+        </p:grpSpPr>
+        <p:sp>
+          <p:nvSpPr>
+            <p:cNvPr id="17" name="円/楕円 45">
+              <a:extLst>
+                <a:ext uri="{FF2B5EF4-FFF2-40B4-BE49-F238E27FC236}">
+                  <a16:creationId xmlns:a16="http://schemas.microsoft.com/office/drawing/2014/main" id="{23815155-1CA2-3D45-AC31-926CD588CF2A}"/>
+                </a:ext>
+              </a:extLst>
+            </p:cNvPr>
+            <p:cNvSpPr/>
+            <p:nvPr/>
+          </p:nvSpPr>
+          <p:spPr>
+            <a:xfrm>
+              <a:off x="2200759" y="1751309"/>
+              <a:ext cx="511444" cy="511444"/>
+            </a:xfrm>
+            <a:prstGeom prst="ellipse">
+              <a:avLst/>
+            </a:prstGeom>
+          </p:spPr>
+          <p:style>
+            <a:lnRef idx="2">
+              <a:schemeClr val="accent5">
+                <a:shade val="50000"/>
+              </a:schemeClr>
+            </a:lnRef>
+            <a:fillRef idx="1">
+              <a:schemeClr val="accent5"/>
+            </a:fillRef>
+            <a:effectRef idx="0">
+              <a:schemeClr val="accent5"/>
+            </a:effectRef>
+            <a:fontRef idx="minor">
+              <a:schemeClr val="lt1"/>
+            </a:fontRef>
+          </p:style>
+          <p:txBody>
+            <a:bodyPr rtlCol="0" anchor="ctr"/>
+            <a:lstStyle/>
+            <a:p>
+              <a:pPr algn="ctr"/>
+              <a:endParaRPr lang="ja-JP" altLang="en-US" sz="1012"/>
+            </a:p>
+          </p:txBody>
+        </p:sp>
+        <p:cxnSp>
+          <p:nvCxnSpPr>
+            <p:cNvPr id="18" name="直線コネクタ 17">
+              <a:extLst>
+                <a:ext uri="{FF2B5EF4-FFF2-40B4-BE49-F238E27FC236}">
+                  <a16:creationId xmlns:a16="http://schemas.microsoft.com/office/drawing/2014/main" id="{7A531DCD-5B88-1F4B-AF36-9CD0F4986EBC}"/>
+                </a:ext>
+              </a:extLst>
+            </p:cNvPr>
+            <p:cNvCxnSpPr>
+              <a:cxnSpLocks/>
+              <a:stCxn id="17" idx="4"/>
+            </p:cNvCxnSpPr>
+            <p:nvPr/>
+          </p:nvCxnSpPr>
+          <p:spPr>
+            <a:xfrm>
+              <a:off x="2456481" y="2262752"/>
+              <a:ext cx="0" cy="360000"/>
+            </a:xfrm>
+            <a:prstGeom prst="line">
+              <a:avLst/>
+            </a:prstGeom>
+            <a:ln/>
+          </p:spPr>
+          <p:style>
+            <a:lnRef idx="2">
+              <a:schemeClr val="accent5">
+                <a:shade val="50000"/>
+              </a:schemeClr>
+            </a:lnRef>
+            <a:fillRef idx="1">
+              <a:schemeClr val="accent5"/>
+            </a:fillRef>
+            <a:effectRef idx="0">
+              <a:schemeClr val="accent5"/>
+            </a:effectRef>
+            <a:fontRef idx="minor">
+              <a:schemeClr val="lt1"/>
+            </a:fontRef>
+          </p:style>
+        </p:cxnSp>
+        <p:cxnSp>
+          <p:nvCxnSpPr>
+            <p:cNvPr id="19" name="直線コネクタ 18">
+              <a:extLst>
+                <a:ext uri="{FF2B5EF4-FFF2-40B4-BE49-F238E27FC236}">
+                  <a16:creationId xmlns:a16="http://schemas.microsoft.com/office/drawing/2014/main" id="{C02C3AC9-4FEF-A844-A0E9-AFA277E47B65}"/>
+                </a:ext>
+              </a:extLst>
+            </p:cNvPr>
+            <p:cNvCxnSpPr>
+              <a:cxnSpLocks/>
+            </p:cNvCxnSpPr>
+            <p:nvPr/>
+          </p:nvCxnSpPr>
+          <p:spPr>
+            <a:xfrm flipV="1">
+              <a:off x="2095705" y="2623710"/>
+              <a:ext cx="360775" cy="359042"/>
+            </a:xfrm>
+            <a:prstGeom prst="line">
+              <a:avLst/>
+            </a:prstGeom>
+            <a:ln/>
+          </p:spPr>
+          <p:style>
+            <a:lnRef idx="2">
+              <a:schemeClr val="accent5">
+                <a:shade val="50000"/>
+              </a:schemeClr>
+            </a:lnRef>
+            <a:fillRef idx="1">
+              <a:schemeClr val="accent5"/>
+            </a:fillRef>
+            <a:effectRef idx="0">
+              <a:schemeClr val="accent5"/>
+            </a:effectRef>
+            <a:fontRef idx="minor">
+              <a:schemeClr val="lt1"/>
+            </a:fontRef>
+          </p:style>
+        </p:cxnSp>
+        <p:cxnSp>
+          <p:nvCxnSpPr>
+            <p:cNvPr id="20" name="直線コネクタ 19">
+              <a:extLst>
+                <a:ext uri="{FF2B5EF4-FFF2-40B4-BE49-F238E27FC236}">
+                  <a16:creationId xmlns:a16="http://schemas.microsoft.com/office/drawing/2014/main" id="{AAF7F5B4-904F-D042-B3EC-0E847C0464F2}"/>
+                </a:ext>
+              </a:extLst>
+            </p:cNvPr>
+            <p:cNvCxnSpPr>
+              <a:cxnSpLocks/>
+            </p:cNvCxnSpPr>
+            <p:nvPr/>
+          </p:nvCxnSpPr>
+          <p:spPr>
+            <a:xfrm flipH="1" flipV="1">
+              <a:off x="2456481" y="2622753"/>
+              <a:ext cx="360775" cy="360000"/>
+            </a:xfrm>
+            <a:prstGeom prst="line">
+              <a:avLst/>
+            </a:prstGeom>
+            <a:ln/>
+          </p:spPr>
+          <p:style>
+            <a:lnRef idx="2">
+              <a:schemeClr val="accent5">
+                <a:shade val="50000"/>
+              </a:schemeClr>
+            </a:lnRef>
+            <a:fillRef idx="1">
+              <a:schemeClr val="accent5"/>
+            </a:fillRef>
+            <a:effectRef idx="0">
+              <a:schemeClr val="accent5"/>
+            </a:effectRef>
+            <a:fontRef idx="minor">
+              <a:schemeClr val="lt1"/>
+            </a:fontRef>
+          </p:style>
+        </p:cxnSp>
+        <p:cxnSp>
+          <p:nvCxnSpPr>
+            <p:cNvPr id="21" name="直線コネクタ 20">
+              <a:extLst>
+                <a:ext uri="{FF2B5EF4-FFF2-40B4-BE49-F238E27FC236}">
+                  <a16:creationId xmlns:a16="http://schemas.microsoft.com/office/drawing/2014/main" id="{E1A4EDBB-B27D-8448-B0B2-63A417ABC347}"/>
+                </a:ext>
+              </a:extLst>
+            </p:cNvPr>
+            <p:cNvCxnSpPr>
+              <a:cxnSpLocks/>
+            </p:cNvCxnSpPr>
+            <p:nvPr/>
+          </p:nvCxnSpPr>
+          <p:spPr>
+            <a:xfrm flipH="1">
+              <a:off x="2456480" y="2328657"/>
+              <a:ext cx="360775" cy="0"/>
+            </a:xfrm>
+            <a:prstGeom prst="line">
+              <a:avLst/>
+            </a:prstGeom>
+            <a:ln/>
+          </p:spPr>
+          <p:style>
+            <a:lnRef idx="2">
+              <a:schemeClr val="accent5">
+                <a:shade val="50000"/>
+              </a:schemeClr>
+            </a:lnRef>
+            <a:fillRef idx="1">
+              <a:schemeClr val="accent5"/>
+            </a:fillRef>
+            <a:effectRef idx="0">
+              <a:schemeClr val="accent5"/>
+            </a:effectRef>
+            <a:fontRef idx="minor">
+              <a:schemeClr val="lt1"/>
+            </a:fontRef>
+          </p:style>
+        </p:cxnSp>
+        <p:cxnSp>
+          <p:nvCxnSpPr>
+            <p:cNvPr id="22" name="直線コネクタ 21">
+              <a:extLst>
+                <a:ext uri="{FF2B5EF4-FFF2-40B4-BE49-F238E27FC236}">
+                  <a16:creationId xmlns:a16="http://schemas.microsoft.com/office/drawing/2014/main" id="{40301B1B-6681-2440-B293-D6C1D3A69095}"/>
+                </a:ext>
+              </a:extLst>
+            </p:cNvPr>
+            <p:cNvCxnSpPr>
+              <a:cxnSpLocks/>
+            </p:cNvCxnSpPr>
+            <p:nvPr/>
+          </p:nvCxnSpPr>
+          <p:spPr>
+            <a:xfrm flipH="1">
+              <a:off x="2095704" y="2328657"/>
+              <a:ext cx="360775" cy="0"/>
+            </a:xfrm>
+            <a:prstGeom prst="line">
+              <a:avLst/>
+            </a:prstGeom>
+            <a:ln/>
+          </p:spPr>
+          <p:style>
+            <a:lnRef idx="2">
+              <a:schemeClr val="accent5">
+                <a:shade val="50000"/>
+              </a:schemeClr>
+            </a:lnRef>
+            <a:fillRef idx="1">
+              <a:schemeClr val="accent5"/>
+            </a:fillRef>
+            <a:effectRef idx="0">
+              <a:schemeClr val="accent5"/>
+            </a:effectRef>
+            <a:fontRef idx="minor">
+              <a:schemeClr val="lt1"/>
+            </a:fontRef>
+          </p:style>
+        </p:cxnSp>
+      </p:grpSp>
+      <p:sp>
+        <p:nvSpPr>
+          <p:cNvPr id="24" name="テキスト ボックス 23"/>
+          <p:cNvSpPr txBox="1"/>
+          <p:nvPr/>
+        </p:nvSpPr>
+        <p:spPr>
+          <a:xfrm>
+            <a:off x="914400" y="3750365"/>
+            <a:ext cx="1921565" cy="369332"/>
+          </a:xfrm>
+          <a:prstGeom prst="rect">
+            <a:avLst/>
+          </a:prstGeom>
+          <a:noFill/>
+        </p:spPr>
+        <p:txBody>
+          <a:bodyPr wrap="square" rtlCol="0">
+            <a:spAutoFit/>
+          </a:bodyPr>
+          <a:lstStyle/>
+          <a:p>
+            <a:r>
+              <a:rPr kumimoji="1" lang="ja-JP" altLang="en-US" dirty="0" smtClean="0"/>
+              <a:t>プレイヤー</a:t>
+            </a:r>
+            <a:endParaRPr kumimoji="1" lang="ja-JP" altLang="en-US" dirty="0"/>
+          </a:p>
+        </p:txBody>
+      </p:sp>
+      <p:sp>
+        <p:nvSpPr>
+          <p:cNvPr id="25" name="テキスト ボックス 24"/>
+          <p:cNvSpPr txBox="1"/>
+          <p:nvPr/>
+        </p:nvSpPr>
+        <p:spPr>
+          <a:xfrm>
+            <a:off x="9612245" y="3702586"/>
+            <a:ext cx="1921565" cy="369332"/>
+          </a:xfrm>
+          <a:prstGeom prst="rect">
+            <a:avLst/>
+          </a:prstGeom>
+          <a:noFill/>
+        </p:spPr>
+        <p:txBody>
+          <a:bodyPr wrap="square" rtlCol="0">
+            <a:spAutoFit/>
+          </a:bodyPr>
+          <a:lstStyle/>
+          <a:p>
+            <a:r>
+              <a:rPr kumimoji="1" lang="ja-JP" altLang="en-US" dirty="0" smtClean="0"/>
+              <a:t>サーバー</a:t>
+            </a:r>
+            <a:endParaRPr kumimoji="1" lang="ja-JP" altLang="en-US" dirty="0"/>
+          </a:p>
+        </p:txBody>
+      </p:sp>
+      <p:sp>
+        <p:nvSpPr>
+          <p:cNvPr id="26" name="楕円 25"/>
+          <p:cNvSpPr/>
+          <p:nvPr/>
+        </p:nvSpPr>
+        <p:spPr>
+          <a:xfrm>
+            <a:off x="4518300" y="2653228"/>
+            <a:ext cx="3040794" cy="620035"/>
+          </a:xfrm>
+          <a:prstGeom prst="ellipse">
+            <a:avLst/>
+          </a:prstGeom>
+          <a:ln>
+            <a:solidFill>
+              <a:schemeClr val="accent1"/>
+            </a:solidFill>
+          </a:ln>
+        </p:spPr>
+        <p:style>
+          <a:lnRef idx="2">
+            <a:schemeClr val="accent6"/>
+          </a:lnRef>
+          <a:fillRef idx="1">
+            <a:schemeClr val="lt1"/>
+          </a:fillRef>
+          <a:effectRef idx="0">
+            <a:schemeClr val="accent6"/>
+          </a:effectRef>
+          <a:fontRef idx="minor">
+            <a:schemeClr val="dk1"/>
+          </a:fontRef>
+        </p:style>
+        <p:txBody>
+          <a:bodyPr rtlCol="0" anchor="ctr"/>
+          <a:lstStyle/>
+          <a:p>
+            <a:pPr algn="ctr"/>
+            <a:r>
+              <a:rPr kumimoji="1" lang="ja-JP" altLang="en-US" dirty="0" smtClean="0"/>
+              <a:t>通信する</a:t>
+            </a:r>
+            <a:endParaRPr kumimoji="1" lang="ja-JP" altLang="en-US" dirty="0"/>
+          </a:p>
+        </p:txBody>
+      </p:sp>
+      <p:cxnSp>
+        <p:nvCxnSpPr>
+          <p:cNvPr id="28" name="直線矢印コネクタ 27"/>
+          <p:cNvCxnSpPr/>
+          <p:nvPr/>
+        </p:nvCxnSpPr>
+        <p:spPr>
+          <a:xfrm>
+            <a:off x="2345635" y="2887773"/>
+            <a:ext cx="2172665" cy="0"/>
+          </a:xfrm>
+          <a:prstGeom prst="straightConnector1">
+            <a:avLst/>
+          </a:prstGeom>
+          <a:ln>
+            <a:tailEnd type="triangle"/>
+          </a:ln>
+        </p:spPr>
+        <p:style>
+          <a:lnRef idx="1">
+            <a:schemeClr val="accent1"/>
+          </a:lnRef>
+          <a:fillRef idx="0">
+            <a:schemeClr val="accent1"/>
+          </a:fillRef>
+          <a:effectRef idx="0">
+            <a:schemeClr val="accent1"/>
+          </a:effectRef>
+          <a:fontRef idx="minor">
+            <a:schemeClr val="tx1"/>
+          </a:fontRef>
+        </p:style>
+      </p:cxnSp>
+      <p:cxnSp>
+        <p:nvCxnSpPr>
+          <p:cNvPr id="31" name="直線矢印コネクタ 30"/>
+          <p:cNvCxnSpPr/>
+          <p:nvPr/>
+        </p:nvCxnSpPr>
+        <p:spPr>
+          <a:xfrm>
+            <a:off x="7559094" y="2879946"/>
+            <a:ext cx="2172665" cy="0"/>
+          </a:xfrm>
+          <a:prstGeom prst="straightConnector1">
+            <a:avLst/>
+          </a:prstGeom>
+          <a:ln>
+            <a:tailEnd type="triangle"/>
+          </a:ln>
+        </p:spPr>
+        <p:style>
+          <a:lnRef idx="1">
+            <a:schemeClr val="accent1"/>
+          </a:lnRef>
+          <a:fillRef idx="0">
+            <a:schemeClr val="accent1"/>
+          </a:fillRef>
+          <a:effectRef idx="0">
+            <a:schemeClr val="accent1"/>
+          </a:effectRef>
+          <a:fontRef idx="minor">
+            <a:schemeClr val="tx1"/>
+          </a:fontRef>
+        </p:style>
+      </p:cxnSp>
+      <p:cxnSp>
+        <p:nvCxnSpPr>
+          <p:cNvPr id="33" name="直線矢印コネクタ 32"/>
+          <p:cNvCxnSpPr/>
+          <p:nvPr/>
+        </p:nvCxnSpPr>
+        <p:spPr>
+          <a:xfrm flipH="1">
+            <a:off x="2345635" y="3095779"/>
+            <a:ext cx="2172665" cy="0"/>
+          </a:xfrm>
+          <a:prstGeom prst="straightConnector1">
+            <a:avLst/>
+          </a:prstGeom>
+          <a:ln>
+            <a:tailEnd type="triangle"/>
+          </a:ln>
+        </p:spPr>
+        <p:style>
+          <a:lnRef idx="1">
+            <a:schemeClr val="accent1"/>
+          </a:lnRef>
+          <a:fillRef idx="0">
+            <a:schemeClr val="accent1"/>
+          </a:fillRef>
+          <a:effectRef idx="0">
+            <a:schemeClr val="accent1"/>
+          </a:effectRef>
+          <a:fontRef idx="minor">
+            <a:schemeClr val="tx1"/>
+          </a:fontRef>
+        </p:style>
+      </p:cxnSp>
+      <p:cxnSp>
+        <p:nvCxnSpPr>
+          <p:cNvPr id="34" name="直線矢印コネクタ 33"/>
+          <p:cNvCxnSpPr/>
+          <p:nvPr/>
+        </p:nvCxnSpPr>
+        <p:spPr>
+          <a:xfrm flipH="1">
+            <a:off x="7559093" y="3042782"/>
+            <a:ext cx="2172665" cy="0"/>
+          </a:xfrm>
+          <a:prstGeom prst="straightConnector1">
+            <a:avLst/>
+          </a:prstGeom>
+          <a:ln>
+            <a:tailEnd type="triangle"/>
+          </a:ln>
+        </p:spPr>
+        <p:style>
+          <a:lnRef idx="1">
+            <a:schemeClr val="accent1"/>
+          </a:lnRef>
+          <a:fillRef idx="0">
+            <a:schemeClr val="accent1"/>
+          </a:fillRef>
+          <a:effectRef idx="0">
+            <a:schemeClr val="accent1"/>
+          </a:effectRef>
+          <a:fontRef idx="minor">
+            <a:schemeClr val="tx1"/>
+          </a:fontRef>
+        </p:style>
+      </p:cxnSp>
     </p:spTree>
     <p:extLst>
       <p:ext uri="{BB962C8B-B14F-4D97-AF65-F5344CB8AC3E}">
